--- a/Poster/poster.pptx
+++ b/Poster/poster.pptx
@@ -2929,6 +2929,1126 @@
           </a:p>
         </p:txBody>
       </p:sp>
+      <p:graphicFrame>
+        <p:nvGraphicFramePr>
+          <p:cNvPr id="49" name="Tabel 48">
+            <a:extLst>
+              <a:ext uri="{FF2B5EF4-FFF2-40B4-BE49-F238E27FC236}">
+                <a16:creationId xmlns:a16="http://schemas.microsoft.com/office/drawing/2014/main" id="{80E59615-AF72-6243-9F24-9B8B88DC4139}"/>
+              </a:ext>
+            </a:extLst>
+          </p:cNvPr>
+          <p:cNvGraphicFramePr>
+            <a:graphicFrameLocks noGrp="1"/>
+          </p:cNvGraphicFramePr>
+          <p:nvPr>
+            <p:extLst>
+              <p:ext uri="{D42A27DB-BD31-4B8C-83A1-F6EECF244321}">
+                <p14:modId xmlns:p14="http://schemas.microsoft.com/office/powerpoint/2010/main" val="3432284768"/>
+              </p:ext>
+            </p:extLst>
+          </p:nvPr>
+        </p:nvGraphicFramePr>
+        <p:xfrm>
+          <a:off x="22448086" y="14427925"/>
+          <a:ext cx="5233285" cy="4380028"/>
+        </p:xfrm>
+        <a:graphic>
+          <a:graphicData uri="http://schemas.openxmlformats.org/drawingml/2006/table">
+            <a:tbl>
+              <a:tblPr firstRow="1" bandRow="1">
+                <a:tableStyleId>{2D5ABB26-0587-4C30-8999-92F81FD0307C}</a:tableStyleId>
+              </a:tblPr>
+              <a:tblGrid>
+                <a:gridCol w="2336382">
+                  <a:extLst>
+                    <a:ext uri="{9D8B030D-6E8A-4147-A177-3AD203B41FA5}">
+                      <a16:colId xmlns:a16="http://schemas.microsoft.com/office/drawing/2014/main" val="20000"/>
+                    </a:ext>
+                  </a:extLst>
+                </a:gridCol>
+                <a:gridCol w="1487599">
+                  <a:extLst>
+                    <a:ext uri="{9D8B030D-6E8A-4147-A177-3AD203B41FA5}">
+                      <a16:colId xmlns:a16="http://schemas.microsoft.com/office/drawing/2014/main" val="20001"/>
+                    </a:ext>
+                  </a:extLst>
+                </a:gridCol>
+                <a:gridCol w="1409304">
+                  <a:extLst>
+                    <a:ext uri="{9D8B030D-6E8A-4147-A177-3AD203B41FA5}">
+                      <a16:colId xmlns:a16="http://schemas.microsoft.com/office/drawing/2014/main" val="20002"/>
+                    </a:ext>
+                  </a:extLst>
+                </a:gridCol>
+              </a:tblGrid>
+              <a:tr h="850935">
+                <a:tc>
+                  <a:txBody>
+                    <a:bodyPr/>
+                    <a:lstStyle/>
+                    <a:p>
+                      <a:pPr marL="180000"/>
+                      <a:r>
+                        <a:rPr lang="nl-NL" sz="2000" b="1" i="0" dirty="0" err="1">
+                          <a:solidFill>
+                            <a:schemeClr val="tx1"/>
+                          </a:solidFill>
+                          <a:latin typeface="Open Sans" panose="020B0606030504020204" pitchFamily="34" charset="0"/>
+                          <a:ea typeface="Open Sans" panose="020B0606030504020204" pitchFamily="34" charset="0"/>
+                          <a:cs typeface="Open Sans" panose="020B0606030504020204" pitchFamily="34" charset="0"/>
+                        </a:rPr>
+                        <a:t>Table</a:t>
+                      </a:r>
+                      <a:r>
+                        <a:rPr lang="nl-NL" sz="2000" b="1" i="0" dirty="0">
+                          <a:solidFill>
+                            <a:schemeClr val="tx1"/>
+                          </a:solidFill>
+                          <a:latin typeface="Open Sans" panose="020B0606030504020204" pitchFamily="34" charset="0"/>
+                          <a:ea typeface="Open Sans" panose="020B0606030504020204" pitchFamily="34" charset="0"/>
+                          <a:cs typeface="Open Sans" panose="020B0606030504020204" pitchFamily="34" charset="0"/>
+                        </a:rPr>
+                        <a:t> </a:t>
+                      </a:r>
+                      <a:r>
+                        <a:rPr lang="nl-NL" sz="2000" b="1" i="0" dirty="0" err="1">
+                          <a:solidFill>
+                            <a:schemeClr val="tx1"/>
+                          </a:solidFill>
+                          <a:latin typeface="Open Sans" panose="020B0606030504020204" pitchFamily="34" charset="0"/>
+                          <a:ea typeface="Open Sans" panose="020B0606030504020204" pitchFamily="34" charset="0"/>
+                          <a:cs typeface="Open Sans" panose="020B0606030504020204" pitchFamily="34" charset="0"/>
+                        </a:rPr>
+                        <a:t>heading</a:t>
+                      </a:r>
+                      <a:endParaRPr lang="nl-NL" sz="2000" b="1" i="0" dirty="0">
+                        <a:solidFill>
+                          <a:schemeClr val="tx1"/>
+                        </a:solidFill>
+                        <a:latin typeface="Open Sans" panose="020B0606030504020204" pitchFamily="34" charset="0"/>
+                        <a:ea typeface="Open Sans" panose="020B0606030504020204" pitchFamily="34" charset="0"/>
+                        <a:cs typeface="Open Sans" panose="020B0606030504020204" pitchFamily="34" charset="0"/>
+                      </a:endParaRPr>
+                    </a:p>
+                  </a:txBody>
+                  <a:tcPr marL="117429" marR="99423" marT="49712" marB="49712" anchor="ctr">
+                    <a:lnL w="38100" cap="flat" cmpd="sng" algn="ctr">
+                      <a:solidFill>
+                        <a:prstClr val="white"/>
+                      </a:solidFill>
+                      <a:prstDash val="solid"/>
+                      <a:round/>
+                      <a:headEnd type="none" w="med" len="med"/>
+                      <a:tailEnd type="none" w="med" len="med"/>
+                    </a:lnL>
+                    <a:lnR w="38100" cap="flat" cmpd="sng" algn="ctr">
+                      <a:solidFill>
+                        <a:prstClr val="white"/>
+                      </a:solidFill>
+                      <a:prstDash val="solid"/>
+                      <a:round/>
+                      <a:headEnd type="none" w="med" len="med"/>
+                      <a:tailEnd type="none" w="med" len="med"/>
+                    </a:lnR>
+                    <a:lnT w="38100" cap="flat" cmpd="sng" algn="ctr">
+                      <a:solidFill>
+                        <a:prstClr val="white"/>
+                      </a:solidFill>
+                      <a:prstDash val="solid"/>
+                      <a:round/>
+                      <a:headEnd type="none" w="med" len="med"/>
+                      <a:tailEnd type="none" w="med" len="med"/>
+                    </a:lnT>
+                    <a:lnB w="38100" cap="flat" cmpd="sng" algn="ctr">
+                      <a:solidFill>
+                        <a:prstClr val="white"/>
+                      </a:solidFill>
+                      <a:prstDash val="solid"/>
+                      <a:round/>
+                      <a:headEnd type="none" w="med" len="med"/>
+                      <a:tailEnd type="none" w="med" len="med"/>
+                    </a:lnB>
+                    <a:solidFill>
+                      <a:schemeClr val="accent1"/>
+                    </a:solidFill>
+                  </a:tcPr>
+                </a:tc>
+                <a:tc>
+                  <a:txBody>
+                    <a:bodyPr/>
+                    <a:lstStyle/>
+                    <a:p>
+                      <a:endParaRPr lang="nl-NL" sz="2000" b="1" i="0" dirty="0">
+                        <a:solidFill>
+                          <a:schemeClr val="tx1"/>
+                        </a:solidFill>
+                        <a:latin typeface="Open Sans" panose="020B0606030504020204" pitchFamily="34" charset="0"/>
+                        <a:ea typeface="Open Sans" panose="020B0606030504020204" pitchFamily="34" charset="0"/>
+                        <a:cs typeface="Open Sans" panose="020B0606030504020204" pitchFamily="34" charset="0"/>
+                      </a:endParaRPr>
+                    </a:p>
+                  </a:txBody>
+                  <a:tcPr marL="117429" marR="99423" marT="49712" marB="49712" anchor="ctr">
+                    <a:lnL w="38100" cap="flat" cmpd="sng" algn="ctr">
+                      <a:solidFill>
+                        <a:prstClr val="white"/>
+                      </a:solidFill>
+                      <a:prstDash val="solid"/>
+                      <a:round/>
+                      <a:headEnd type="none" w="med" len="med"/>
+                      <a:tailEnd type="none" w="med" len="med"/>
+                    </a:lnL>
+                    <a:lnR w="38100" cap="flat" cmpd="sng" algn="ctr">
+                      <a:solidFill>
+                        <a:prstClr val="white"/>
+                      </a:solidFill>
+                      <a:prstDash val="solid"/>
+                      <a:round/>
+                      <a:headEnd type="none" w="med" len="med"/>
+                      <a:tailEnd type="none" w="med" len="med"/>
+                    </a:lnR>
+                    <a:lnT w="38100" cap="flat" cmpd="sng" algn="ctr">
+                      <a:solidFill>
+                        <a:prstClr val="white"/>
+                      </a:solidFill>
+                      <a:prstDash val="solid"/>
+                      <a:round/>
+                      <a:headEnd type="none" w="med" len="med"/>
+                      <a:tailEnd type="none" w="med" len="med"/>
+                    </a:lnT>
+                    <a:lnB w="38100" cap="flat" cmpd="sng" algn="ctr">
+                      <a:solidFill>
+                        <a:prstClr val="white"/>
+                      </a:solidFill>
+                      <a:prstDash val="solid"/>
+                      <a:round/>
+                      <a:headEnd type="none" w="med" len="med"/>
+                      <a:tailEnd type="none" w="med" len="med"/>
+                    </a:lnB>
+                    <a:solidFill>
+                      <a:schemeClr val="accent1"/>
+                    </a:solidFill>
+                  </a:tcPr>
+                </a:tc>
+                <a:tc>
+                  <a:txBody>
+                    <a:bodyPr/>
+                    <a:lstStyle/>
+                    <a:p>
+                      <a:endParaRPr lang="nl-NL" sz="2000" b="1" i="0" dirty="0">
+                        <a:solidFill>
+                          <a:schemeClr val="tx1"/>
+                        </a:solidFill>
+                        <a:latin typeface="Open Sans" panose="020B0606030504020204" pitchFamily="34" charset="0"/>
+                        <a:ea typeface="Open Sans" panose="020B0606030504020204" pitchFamily="34" charset="0"/>
+                        <a:cs typeface="Open Sans" panose="020B0606030504020204" pitchFamily="34" charset="0"/>
+                      </a:endParaRPr>
+                    </a:p>
+                  </a:txBody>
+                  <a:tcPr marL="117429" marR="99423" marT="49712" marB="49712" anchor="ctr">
+                    <a:lnL w="38100" cap="flat" cmpd="sng" algn="ctr">
+                      <a:solidFill>
+                        <a:prstClr val="white"/>
+                      </a:solidFill>
+                      <a:prstDash val="solid"/>
+                      <a:round/>
+                      <a:headEnd type="none" w="med" len="med"/>
+                      <a:tailEnd type="none" w="med" len="med"/>
+                    </a:lnL>
+                    <a:lnR w="38100" cap="flat" cmpd="sng" algn="ctr">
+                      <a:solidFill>
+                        <a:prstClr val="white"/>
+                      </a:solidFill>
+                      <a:prstDash val="solid"/>
+                      <a:round/>
+                      <a:headEnd type="none" w="med" len="med"/>
+                      <a:tailEnd type="none" w="med" len="med"/>
+                    </a:lnR>
+                    <a:lnT w="38100" cap="flat" cmpd="sng" algn="ctr">
+                      <a:solidFill>
+                        <a:prstClr val="white"/>
+                      </a:solidFill>
+                      <a:prstDash val="solid"/>
+                      <a:round/>
+                      <a:headEnd type="none" w="med" len="med"/>
+                      <a:tailEnd type="none" w="med" len="med"/>
+                    </a:lnT>
+                    <a:lnB w="38100" cap="flat" cmpd="sng" algn="ctr">
+                      <a:solidFill>
+                        <a:prstClr val="white"/>
+                      </a:solidFill>
+                      <a:prstDash val="solid"/>
+                      <a:round/>
+                      <a:headEnd type="none" w="med" len="med"/>
+                      <a:tailEnd type="none" w="med" len="med"/>
+                    </a:lnB>
+                    <a:solidFill>
+                      <a:schemeClr val="accent1"/>
+                    </a:solidFill>
+                  </a:tcPr>
+                </a:tc>
+                <a:extLst>
+                  <a:ext uri="{0D108BD9-81ED-4DB2-BD59-A6C34878D82A}">
+                    <a16:rowId xmlns:a16="http://schemas.microsoft.com/office/drawing/2014/main" val="10000"/>
+                  </a:ext>
+                </a:extLst>
+              </a:tr>
+              <a:tr h="850935">
+                <a:tc>
+                  <a:txBody>
+                    <a:bodyPr/>
+                    <a:lstStyle/>
+                    <a:p>
+                      <a:pPr marL="180000" indent="0"/>
+                      <a:r>
+                        <a:rPr lang="nl-NL" sz="2000" dirty="0" err="1">
+                          <a:solidFill>
+                            <a:schemeClr val="tx1"/>
+                          </a:solidFill>
+                          <a:latin typeface="Open Sans" panose="020B0606030504020204" pitchFamily="34" charset="0"/>
+                          <a:ea typeface="Open Sans" panose="020B0606030504020204" pitchFamily="34" charset="0"/>
+                          <a:cs typeface="Open Sans" panose="020B0606030504020204" pitchFamily="34" charset="0"/>
+                        </a:rPr>
+                        <a:t>Text</a:t>
+                      </a:r>
+                      <a:endParaRPr lang="nl-NL" sz="2000" dirty="0">
+                        <a:solidFill>
+                          <a:schemeClr val="tx1"/>
+                        </a:solidFill>
+                        <a:latin typeface="Open Sans" panose="020B0606030504020204" pitchFamily="34" charset="0"/>
+                        <a:ea typeface="Open Sans" panose="020B0606030504020204" pitchFamily="34" charset="0"/>
+                        <a:cs typeface="Open Sans" panose="020B0606030504020204" pitchFamily="34" charset="0"/>
+                      </a:endParaRPr>
+                    </a:p>
+                  </a:txBody>
+                  <a:tcPr marL="117429" marR="99423" marT="49712" marB="49712" anchor="ctr">
+                    <a:lnL w="38100" cap="flat" cmpd="sng" algn="ctr">
+                      <a:solidFill>
+                        <a:prstClr val="white"/>
+                      </a:solidFill>
+                      <a:prstDash val="solid"/>
+                      <a:round/>
+                      <a:headEnd type="none" w="med" len="med"/>
+                      <a:tailEnd type="none" w="med" len="med"/>
+                    </a:lnL>
+                    <a:lnR w="38100" cap="flat" cmpd="sng" algn="ctr">
+                      <a:solidFill>
+                        <a:prstClr val="white"/>
+                      </a:solidFill>
+                      <a:prstDash val="solid"/>
+                      <a:round/>
+                      <a:headEnd type="none" w="med" len="med"/>
+                      <a:tailEnd type="none" w="med" len="med"/>
+                    </a:lnR>
+                    <a:lnT w="38100" cap="flat" cmpd="sng" algn="ctr">
+                      <a:solidFill>
+                        <a:prstClr val="white"/>
+                      </a:solidFill>
+                      <a:prstDash val="solid"/>
+                      <a:round/>
+                      <a:headEnd type="none" w="med" len="med"/>
+                      <a:tailEnd type="none" w="med" len="med"/>
+                    </a:lnT>
+                    <a:lnB w="38100" cap="flat" cmpd="sng" algn="ctr">
+                      <a:solidFill>
+                        <a:prstClr val="white"/>
+                      </a:solidFill>
+                      <a:prstDash val="solid"/>
+                      <a:round/>
+                      <a:headEnd type="none" w="med" len="med"/>
+                      <a:tailEnd type="none" w="med" len="med"/>
+                    </a:lnB>
+                    <a:solidFill>
+                      <a:srgbClr val="FEE998"/>
+                    </a:solidFill>
+                  </a:tcPr>
+                </a:tc>
+                <a:tc>
+                  <a:txBody>
+                    <a:bodyPr/>
+                    <a:lstStyle/>
+                    <a:p>
+                      <a:pPr>
+                        <a:lnSpc>
+                          <a:spcPts val="2280"/>
+                        </a:lnSpc>
+                      </a:pPr>
+                      <a:endParaRPr lang="nl-NL" sz="2000" kern="1200" dirty="0">
+                        <a:solidFill>
+                          <a:schemeClr val="tx1"/>
+                        </a:solidFill>
+                        <a:latin typeface="Open Sans" panose="020B0606030504020204" pitchFamily="34" charset="0"/>
+                        <a:ea typeface="Open Sans" panose="020B0606030504020204" pitchFamily="34" charset="0"/>
+                        <a:cs typeface="Open Sans" panose="020B0606030504020204" pitchFamily="34" charset="0"/>
+                      </a:endParaRPr>
+                    </a:p>
+                  </a:txBody>
+                  <a:tcPr marL="195715" marR="195715" marT="0" marB="0" anchor="ctr">
+                    <a:lnL w="38100" cap="flat" cmpd="sng" algn="ctr">
+                      <a:solidFill>
+                        <a:prstClr val="white"/>
+                      </a:solidFill>
+                      <a:prstDash val="solid"/>
+                      <a:round/>
+                      <a:headEnd type="none" w="med" len="med"/>
+                      <a:tailEnd type="none" w="med" len="med"/>
+                    </a:lnL>
+                    <a:lnR w="38100" cap="flat" cmpd="sng" algn="ctr">
+                      <a:solidFill>
+                        <a:prstClr val="white"/>
+                      </a:solidFill>
+                      <a:prstDash val="solid"/>
+                      <a:round/>
+                      <a:headEnd type="none" w="med" len="med"/>
+                      <a:tailEnd type="none" w="med" len="med"/>
+                    </a:lnR>
+                    <a:lnT w="38100" cap="flat" cmpd="sng" algn="ctr">
+                      <a:solidFill>
+                        <a:prstClr val="white"/>
+                      </a:solidFill>
+                      <a:prstDash val="solid"/>
+                      <a:round/>
+                      <a:headEnd type="none" w="med" len="med"/>
+                      <a:tailEnd type="none" w="med" len="med"/>
+                    </a:lnT>
+                    <a:lnB w="38100" cap="flat" cmpd="sng" algn="ctr">
+                      <a:solidFill>
+                        <a:prstClr val="white"/>
+                      </a:solidFill>
+                      <a:prstDash val="solid"/>
+                      <a:round/>
+                      <a:headEnd type="none" w="med" len="med"/>
+                      <a:tailEnd type="none" w="med" len="med"/>
+                    </a:lnB>
+                    <a:solidFill>
+                      <a:srgbClr val="FEE998"/>
+                    </a:solidFill>
+                  </a:tcPr>
+                </a:tc>
+                <a:tc>
+                  <a:txBody>
+                    <a:bodyPr/>
+                    <a:lstStyle/>
+                    <a:p>
+                      <a:pPr>
+                        <a:lnSpc>
+                          <a:spcPts val="2280"/>
+                        </a:lnSpc>
+                      </a:pPr>
+                      <a:endParaRPr lang="nl-NL" sz="2000" kern="1200" dirty="0">
+                        <a:solidFill>
+                          <a:schemeClr val="tx1"/>
+                        </a:solidFill>
+                        <a:latin typeface="Open Sans" panose="020B0606030504020204" pitchFamily="34" charset="0"/>
+                        <a:ea typeface="Open Sans" panose="020B0606030504020204" pitchFamily="34" charset="0"/>
+                        <a:cs typeface="Open Sans" panose="020B0606030504020204" pitchFamily="34" charset="0"/>
+                      </a:endParaRPr>
+                    </a:p>
+                  </a:txBody>
+                  <a:tcPr marL="195715" marR="195715" marT="0" marB="0" anchor="ctr">
+                    <a:lnL w="38100" cap="flat" cmpd="sng" algn="ctr">
+                      <a:solidFill>
+                        <a:prstClr val="white"/>
+                      </a:solidFill>
+                      <a:prstDash val="solid"/>
+                      <a:round/>
+                      <a:headEnd type="none" w="med" len="med"/>
+                      <a:tailEnd type="none" w="med" len="med"/>
+                    </a:lnL>
+                    <a:lnR w="38100" cap="flat" cmpd="sng" algn="ctr">
+                      <a:solidFill>
+                        <a:prstClr val="white"/>
+                      </a:solidFill>
+                      <a:prstDash val="solid"/>
+                      <a:round/>
+                      <a:headEnd type="none" w="med" len="med"/>
+                      <a:tailEnd type="none" w="med" len="med"/>
+                    </a:lnR>
+                    <a:lnT w="38100" cap="flat" cmpd="sng" algn="ctr">
+                      <a:solidFill>
+                        <a:prstClr val="white"/>
+                      </a:solidFill>
+                      <a:prstDash val="solid"/>
+                      <a:round/>
+                      <a:headEnd type="none" w="med" len="med"/>
+                      <a:tailEnd type="none" w="med" len="med"/>
+                    </a:lnT>
+                    <a:lnB w="38100" cap="flat" cmpd="sng" algn="ctr">
+                      <a:solidFill>
+                        <a:prstClr val="white"/>
+                      </a:solidFill>
+                      <a:prstDash val="solid"/>
+                      <a:round/>
+                      <a:headEnd type="none" w="med" len="med"/>
+                      <a:tailEnd type="none" w="med" len="med"/>
+                    </a:lnB>
+                    <a:solidFill>
+                      <a:srgbClr val="FEE998"/>
+                    </a:solidFill>
+                  </a:tcPr>
+                </a:tc>
+                <a:extLst>
+                  <a:ext uri="{0D108BD9-81ED-4DB2-BD59-A6C34878D82A}">
+                    <a16:rowId xmlns:a16="http://schemas.microsoft.com/office/drawing/2014/main" val="10001"/>
+                  </a:ext>
+                </a:extLst>
+              </a:tr>
+              <a:tr h="976288">
+                <a:tc>
+                  <a:txBody>
+                    <a:bodyPr/>
+                    <a:lstStyle/>
+                    <a:p>
+                      <a:pPr marL="180000" indent="0"/>
+                      <a:r>
+                        <a:rPr lang="nl-NL" sz="2000" dirty="0" err="1">
+                          <a:solidFill>
+                            <a:schemeClr val="tx1"/>
+                          </a:solidFill>
+                          <a:latin typeface="Open Sans" panose="020B0606030504020204" pitchFamily="34" charset="0"/>
+                          <a:ea typeface="Open Sans" panose="020B0606030504020204" pitchFamily="34" charset="0"/>
+                          <a:cs typeface="Open Sans" panose="020B0606030504020204" pitchFamily="34" charset="0"/>
+                        </a:rPr>
+                        <a:t>Text</a:t>
+                      </a:r>
+                      <a:endParaRPr lang="nl-NL" sz="2000" dirty="0">
+                        <a:solidFill>
+                          <a:schemeClr val="tx1"/>
+                        </a:solidFill>
+                        <a:latin typeface="Open Sans" panose="020B0606030504020204" pitchFamily="34" charset="0"/>
+                        <a:ea typeface="Open Sans" panose="020B0606030504020204" pitchFamily="34" charset="0"/>
+                        <a:cs typeface="Open Sans" panose="020B0606030504020204" pitchFamily="34" charset="0"/>
+                      </a:endParaRPr>
+                    </a:p>
+                  </a:txBody>
+                  <a:tcPr marL="117429" marR="99423" marT="0" marB="0" anchor="ctr">
+                    <a:lnL w="38100" cap="flat" cmpd="sng" algn="ctr">
+                      <a:solidFill>
+                        <a:prstClr val="white"/>
+                      </a:solidFill>
+                      <a:prstDash val="solid"/>
+                      <a:round/>
+                      <a:headEnd type="none" w="med" len="med"/>
+                      <a:tailEnd type="none" w="med" len="med"/>
+                    </a:lnL>
+                    <a:lnR w="38100" cap="flat" cmpd="sng" algn="ctr">
+                      <a:solidFill>
+                        <a:prstClr val="white"/>
+                      </a:solidFill>
+                      <a:prstDash val="solid"/>
+                      <a:round/>
+                      <a:headEnd type="none" w="med" len="med"/>
+                      <a:tailEnd type="none" w="med" len="med"/>
+                    </a:lnR>
+                    <a:lnT w="38100" cap="flat" cmpd="sng" algn="ctr">
+                      <a:solidFill>
+                        <a:prstClr val="white"/>
+                      </a:solidFill>
+                      <a:prstDash val="solid"/>
+                      <a:round/>
+                      <a:headEnd type="none" w="med" len="med"/>
+                      <a:tailEnd type="none" w="med" len="med"/>
+                    </a:lnT>
+                    <a:lnB w="38100" cap="flat" cmpd="sng" algn="ctr">
+                      <a:solidFill>
+                        <a:prstClr val="white"/>
+                      </a:solidFill>
+                      <a:prstDash val="solid"/>
+                      <a:round/>
+                      <a:headEnd type="none" w="med" len="med"/>
+                      <a:tailEnd type="none" w="med" len="med"/>
+                    </a:lnB>
+                    <a:solidFill>
+                      <a:srgbClr val="FEDF6B"/>
+                    </a:solidFill>
+                  </a:tcPr>
+                </a:tc>
+                <a:tc>
+                  <a:txBody>
+                    <a:bodyPr/>
+                    <a:lstStyle/>
+                    <a:p>
+                      <a:pPr marL="0" marR="0" indent="0" algn="l" defTabSz="2088170" rtl="0" eaLnBrk="1" fontAlgn="auto" latinLnBrk="0" hangingPunct="1">
+                        <a:lnSpc>
+                          <a:spcPts val="2280"/>
+                        </a:lnSpc>
+                        <a:spcBef>
+                          <a:spcPts val="0"/>
+                        </a:spcBef>
+                        <a:spcAft>
+                          <a:spcPts val="0"/>
+                        </a:spcAft>
+                        <a:buClrTx/>
+                        <a:buSzTx/>
+                        <a:buFontTx/>
+                        <a:buNone/>
+                        <a:tabLst/>
+                        <a:defRPr/>
+                      </a:pPr>
+                      <a:endParaRPr lang="nl-NL" sz="2000" dirty="0">
+                        <a:solidFill>
+                          <a:schemeClr val="tx1"/>
+                        </a:solidFill>
+                        <a:latin typeface="Open Sans" panose="020B0606030504020204" pitchFamily="34" charset="0"/>
+                        <a:ea typeface="Open Sans" panose="020B0606030504020204" pitchFamily="34" charset="0"/>
+                        <a:cs typeface="Open Sans" panose="020B0606030504020204" pitchFamily="34" charset="0"/>
+                      </a:endParaRPr>
+                    </a:p>
+                    <a:p>
+                      <a:pPr>
+                        <a:lnSpc>
+                          <a:spcPts val="2280"/>
+                        </a:lnSpc>
+                      </a:pPr>
+                      <a:endParaRPr lang="nl-NL" sz="2000" kern="1200" dirty="0">
+                        <a:solidFill>
+                          <a:schemeClr val="tx1"/>
+                        </a:solidFill>
+                        <a:latin typeface="Open Sans" panose="020B0606030504020204" pitchFamily="34" charset="0"/>
+                        <a:ea typeface="Open Sans" panose="020B0606030504020204" pitchFamily="34" charset="0"/>
+                        <a:cs typeface="Open Sans" panose="020B0606030504020204" pitchFamily="34" charset="0"/>
+                      </a:endParaRPr>
+                    </a:p>
+                  </a:txBody>
+                  <a:tcPr marL="195715" marR="195715" marT="0" marB="0" anchor="ctr">
+                    <a:lnL w="38100" cap="flat" cmpd="sng" algn="ctr">
+                      <a:solidFill>
+                        <a:prstClr val="white"/>
+                      </a:solidFill>
+                      <a:prstDash val="solid"/>
+                      <a:round/>
+                      <a:headEnd type="none" w="med" len="med"/>
+                      <a:tailEnd type="none" w="med" len="med"/>
+                    </a:lnL>
+                    <a:lnR w="38100" cap="flat" cmpd="sng" algn="ctr">
+                      <a:solidFill>
+                        <a:prstClr val="white"/>
+                      </a:solidFill>
+                      <a:prstDash val="solid"/>
+                      <a:round/>
+                      <a:headEnd type="none" w="med" len="med"/>
+                      <a:tailEnd type="none" w="med" len="med"/>
+                    </a:lnR>
+                    <a:lnT w="38100" cap="flat" cmpd="sng" algn="ctr">
+                      <a:solidFill>
+                        <a:prstClr val="white"/>
+                      </a:solidFill>
+                      <a:prstDash val="solid"/>
+                      <a:round/>
+                      <a:headEnd type="none" w="med" len="med"/>
+                      <a:tailEnd type="none" w="med" len="med"/>
+                    </a:lnT>
+                    <a:lnB w="38100" cap="flat" cmpd="sng" algn="ctr">
+                      <a:solidFill>
+                        <a:prstClr val="white"/>
+                      </a:solidFill>
+                      <a:prstDash val="solid"/>
+                      <a:round/>
+                      <a:headEnd type="none" w="med" len="med"/>
+                      <a:tailEnd type="none" w="med" len="med"/>
+                    </a:lnB>
+                    <a:solidFill>
+                      <a:srgbClr val="FEDF6B"/>
+                    </a:solidFill>
+                  </a:tcPr>
+                </a:tc>
+                <a:tc>
+                  <a:txBody>
+                    <a:bodyPr/>
+                    <a:lstStyle/>
+                    <a:p>
+                      <a:pPr>
+                        <a:lnSpc>
+                          <a:spcPts val="2280"/>
+                        </a:lnSpc>
+                      </a:pPr>
+                      <a:endParaRPr lang="nl-NL" sz="2000" kern="1200" dirty="0">
+                        <a:solidFill>
+                          <a:schemeClr val="tx1"/>
+                        </a:solidFill>
+                        <a:latin typeface="Open Sans" panose="020B0606030504020204" pitchFamily="34" charset="0"/>
+                        <a:ea typeface="Open Sans" panose="020B0606030504020204" pitchFamily="34" charset="0"/>
+                        <a:cs typeface="Open Sans" panose="020B0606030504020204" pitchFamily="34" charset="0"/>
+                      </a:endParaRPr>
+                    </a:p>
+                  </a:txBody>
+                  <a:tcPr marL="195715" marR="195715" marT="0" marB="0" anchor="ctr">
+                    <a:lnL w="38100" cap="flat" cmpd="sng" algn="ctr">
+                      <a:solidFill>
+                        <a:prstClr val="white"/>
+                      </a:solidFill>
+                      <a:prstDash val="solid"/>
+                      <a:round/>
+                      <a:headEnd type="none" w="med" len="med"/>
+                      <a:tailEnd type="none" w="med" len="med"/>
+                    </a:lnL>
+                    <a:lnR w="38100" cap="flat" cmpd="sng" algn="ctr">
+                      <a:solidFill>
+                        <a:prstClr val="white"/>
+                      </a:solidFill>
+                      <a:prstDash val="solid"/>
+                      <a:round/>
+                      <a:headEnd type="none" w="med" len="med"/>
+                      <a:tailEnd type="none" w="med" len="med"/>
+                    </a:lnR>
+                    <a:lnT w="38100" cap="flat" cmpd="sng" algn="ctr">
+                      <a:solidFill>
+                        <a:prstClr val="white"/>
+                      </a:solidFill>
+                      <a:prstDash val="solid"/>
+                      <a:round/>
+                      <a:headEnd type="none" w="med" len="med"/>
+                      <a:tailEnd type="none" w="med" len="med"/>
+                    </a:lnT>
+                    <a:lnB w="38100" cap="flat" cmpd="sng" algn="ctr">
+                      <a:solidFill>
+                        <a:prstClr val="white"/>
+                      </a:solidFill>
+                      <a:prstDash val="solid"/>
+                      <a:round/>
+                      <a:headEnd type="none" w="med" len="med"/>
+                      <a:tailEnd type="none" w="med" len="med"/>
+                    </a:lnB>
+                    <a:solidFill>
+                      <a:srgbClr val="FEDF6B"/>
+                    </a:solidFill>
+                  </a:tcPr>
+                </a:tc>
+                <a:extLst>
+                  <a:ext uri="{0D108BD9-81ED-4DB2-BD59-A6C34878D82A}">
+                    <a16:rowId xmlns:a16="http://schemas.microsoft.com/office/drawing/2014/main" val="10002"/>
+                  </a:ext>
+                </a:extLst>
+              </a:tr>
+              <a:tr h="850935">
+                <a:tc>
+                  <a:txBody>
+                    <a:bodyPr/>
+                    <a:lstStyle/>
+                    <a:p>
+                      <a:pPr marL="180000" indent="0"/>
+                      <a:r>
+                        <a:rPr lang="nl-NL" sz="2000" dirty="0" err="1">
+                          <a:solidFill>
+                            <a:schemeClr val="tx1"/>
+                          </a:solidFill>
+                          <a:latin typeface="Open Sans" panose="020B0606030504020204" pitchFamily="34" charset="0"/>
+                          <a:ea typeface="Open Sans" panose="020B0606030504020204" pitchFamily="34" charset="0"/>
+                          <a:cs typeface="Open Sans" panose="020B0606030504020204" pitchFamily="34" charset="0"/>
+                        </a:rPr>
+                        <a:t>Text</a:t>
+                      </a:r>
+                      <a:endParaRPr lang="nl-NL" sz="2000" dirty="0">
+                        <a:solidFill>
+                          <a:schemeClr val="tx1"/>
+                        </a:solidFill>
+                        <a:latin typeface="Open Sans" panose="020B0606030504020204" pitchFamily="34" charset="0"/>
+                        <a:ea typeface="Open Sans" panose="020B0606030504020204" pitchFamily="34" charset="0"/>
+                        <a:cs typeface="Open Sans" panose="020B0606030504020204" pitchFamily="34" charset="0"/>
+                      </a:endParaRPr>
+                    </a:p>
+                  </a:txBody>
+                  <a:tcPr marL="117429" marR="99423" marT="49712" marB="49712" anchor="ctr">
+                    <a:lnL w="38100" cap="flat" cmpd="sng" algn="ctr">
+                      <a:solidFill>
+                        <a:prstClr val="white"/>
+                      </a:solidFill>
+                      <a:prstDash val="solid"/>
+                      <a:round/>
+                      <a:headEnd type="none" w="med" len="med"/>
+                      <a:tailEnd type="none" w="med" len="med"/>
+                    </a:lnL>
+                    <a:lnR w="38100" cap="flat" cmpd="sng" algn="ctr">
+                      <a:solidFill>
+                        <a:prstClr val="white"/>
+                      </a:solidFill>
+                      <a:prstDash val="solid"/>
+                      <a:round/>
+                      <a:headEnd type="none" w="med" len="med"/>
+                      <a:tailEnd type="none" w="med" len="med"/>
+                    </a:lnR>
+                    <a:lnT w="38100" cap="flat" cmpd="sng" algn="ctr">
+                      <a:solidFill>
+                        <a:prstClr val="white"/>
+                      </a:solidFill>
+                      <a:prstDash val="solid"/>
+                      <a:round/>
+                      <a:headEnd type="none" w="med" len="med"/>
+                      <a:tailEnd type="none" w="med" len="med"/>
+                    </a:lnT>
+                    <a:lnB w="38100" cap="flat" cmpd="sng" algn="ctr">
+                      <a:solidFill>
+                        <a:prstClr val="white"/>
+                      </a:solidFill>
+                      <a:prstDash val="solid"/>
+                      <a:round/>
+                      <a:headEnd type="none" w="med" len="med"/>
+                      <a:tailEnd type="none" w="med" len="med"/>
+                    </a:lnB>
+                    <a:solidFill>
+                      <a:srgbClr val="FEE998"/>
+                    </a:solidFill>
+                  </a:tcPr>
+                </a:tc>
+                <a:tc>
+                  <a:txBody>
+                    <a:bodyPr/>
+                    <a:lstStyle/>
+                    <a:p>
+                      <a:pPr>
+                        <a:lnSpc>
+                          <a:spcPts val="2280"/>
+                        </a:lnSpc>
+                      </a:pPr>
+                      <a:endParaRPr lang="nl-NL" sz="2000" kern="1200" dirty="0">
+                        <a:solidFill>
+                          <a:schemeClr val="tx1"/>
+                        </a:solidFill>
+                        <a:latin typeface="Open Sans" panose="020B0606030504020204" pitchFamily="34" charset="0"/>
+                        <a:ea typeface="Open Sans" panose="020B0606030504020204" pitchFamily="34" charset="0"/>
+                        <a:cs typeface="Open Sans" panose="020B0606030504020204" pitchFamily="34" charset="0"/>
+                      </a:endParaRPr>
+                    </a:p>
+                  </a:txBody>
+                  <a:tcPr marL="195715" marR="195715" marT="0" marB="0" anchor="ctr">
+                    <a:lnL w="38100" cap="flat" cmpd="sng" algn="ctr">
+                      <a:solidFill>
+                        <a:prstClr val="white"/>
+                      </a:solidFill>
+                      <a:prstDash val="solid"/>
+                      <a:round/>
+                      <a:headEnd type="none" w="med" len="med"/>
+                      <a:tailEnd type="none" w="med" len="med"/>
+                    </a:lnL>
+                    <a:lnR w="38100" cap="flat" cmpd="sng" algn="ctr">
+                      <a:solidFill>
+                        <a:prstClr val="white"/>
+                      </a:solidFill>
+                      <a:prstDash val="solid"/>
+                      <a:round/>
+                      <a:headEnd type="none" w="med" len="med"/>
+                      <a:tailEnd type="none" w="med" len="med"/>
+                    </a:lnR>
+                    <a:lnT w="38100" cap="flat" cmpd="sng" algn="ctr">
+                      <a:solidFill>
+                        <a:prstClr val="white"/>
+                      </a:solidFill>
+                      <a:prstDash val="solid"/>
+                      <a:round/>
+                      <a:headEnd type="none" w="med" len="med"/>
+                      <a:tailEnd type="none" w="med" len="med"/>
+                    </a:lnT>
+                    <a:lnB w="38100" cap="flat" cmpd="sng" algn="ctr">
+                      <a:solidFill>
+                        <a:prstClr val="white"/>
+                      </a:solidFill>
+                      <a:prstDash val="solid"/>
+                      <a:round/>
+                      <a:headEnd type="none" w="med" len="med"/>
+                      <a:tailEnd type="none" w="med" len="med"/>
+                    </a:lnB>
+                    <a:solidFill>
+                      <a:srgbClr val="FEE998"/>
+                    </a:solidFill>
+                  </a:tcPr>
+                </a:tc>
+                <a:tc>
+                  <a:txBody>
+                    <a:bodyPr/>
+                    <a:lstStyle/>
+                    <a:p>
+                      <a:pPr>
+                        <a:lnSpc>
+                          <a:spcPts val="2280"/>
+                        </a:lnSpc>
+                      </a:pPr>
+                      <a:endParaRPr lang="nl-NL" sz="2000" kern="1200" dirty="0">
+                        <a:solidFill>
+                          <a:schemeClr val="tx1"/>
+                        </a:solidFill>
+                        <a:latin typeface="Open Sans" panose="020B0606030504020204" pitchFamily="34" charset="0"/>
+                        <a:ea typeface="Open Sans" panose="020B0606030504020204" pitchFamily="34" charset="0"/>
+                        <a:cs typeface="Open Sans" panose="020B0606030504020204" pitchFamily="34" charset="0"/>
+                      </a:endParaRPr>
+                    </a:p>
+                  </a:txBody>
+                  <a:tcPr marL="195715" marR="195715" marT="0" marB="0" anchor="ctr">
+                    <a:lnL w="38100" cap="flat" cmpd="sng" algn="ctr">
+                      <a:solidFill>
+                        <a:prstClr val="white"/>
+                      </a:solidFill>
+                      <a:prstDash val="solid"/>
+                      <a:round/>
+                      <a:headEnd type="none" w="med" len="med"/>
+                      <a:tailEnd type="none" w="med" len="med"/>
+                    </a:lnL>
+                    <a:lnR w="38100" cap="flat" cmpd="sng" algn="ctr">
+                      <a:solidFill>
+                        <a:prstClr val="white"/>
+                      </a:solidFill>
+                      <a:prstDash val="solid"/>
+                      <a:round/>
+                      <a:headEnd type="none" w="med" len="med"/>
+                      <a:tailEnd type="none" w="med" len="med"/>
+                    </a:lnR>
+                    <a:lnT w="38100" cap="flat" cmpd="sng" algn="ctr">
+                      <a:solidFill>
+                        <a:prstClr val="white"/>
+                      </a:solidFill>
+                      <a:prstDash val="solid"/>
+                      <a:round/>
+                      <a:headEnd type="none" w="med" len="med"/>
+                      <a:tailEnd type="none" w="med" len="med"/>
+                    </a:lnT>
+                    <a:lnB w="38100" cap="flat" cmpd="sng" algn="ctr">
+                      <a:solidFill>
+                        <a:prstClr val="white"/>
+                      </a:solidFill>
+                      <a:prstDash val="solid"/>
+                      <a:round/>
+                      <a:headEnd type="none" w="med" len="med"/>
+                      <a:tailEnd type="none" w="med" len="med"/>
+                    </a:lnB>
+                    <a:solidFill>
+                      <a:srgbClr val="FEE998"/>
+                    </a:solidFill>
+                  </a:tcPr>
+                </a:tc>
+                <a:extLst>
+                  <a:ext uri="{0D108BD9-81ED-4DB2-BD59-A6C34878D82A}">
+                    <a16:rowId xmlns:a16="http://schemas.microsoft.com/office/drawing/2014/main" val="10003"/>
+                  </a:ext>
+                </a:extLst>
+              </a:tr>
+              <a:tr h="850935">
+                <a:tc>
+                  <a:txBody>
+                    <a:bodyPr/>
+                    <a:lstStyle/>
+                    <a:p>
+                      <a:pPr marL="180000" indent="0"/>
+                      <a:r>
+                        <a:rPr lang="nl-NL" sz="2000" dirty="0" err="1">
+                          <a:solidFill>
+                            <a:schemeClr val="tx1"/>
+                          </a:solidFill>
+                          <a:latin typeface="Open Sans" panose="020B0606030504020204" pitchFamily="34" charset="0"/>
+                          <a:ea typeface="Open Sans" panose="020B0606030504020204" pitchFamily="34" charset="0"/>
+                          <a:cs typeface="Open Sans" panose="020B0606030504020204" pitchFamily="34" charset="0"/>
+                        </a:rPr>
+                        <a:t>Text</a:t>
+                      </a:r>
+                      <a:endParaRPr lang="nl-NL" sz="2000" dirty="0">
+                        <a:solidFill>
+                          <a:schemeClr val="tx1"/>
+                        </a:solidFill>
+                        <a:latin typeface="Open Sans" panose="020B0606030504020204" pitchFamily="34" charset="0"/>
+                        <a:ea typeface="Open Sans" panose="020B0606030504020204" pitchFamily="34" charset="0"/>
+                        <a:cs typeface="Open Sans" panose="020B0606030504020204" pitchFamily="34" charset="0"/>
+                      </a:endParaRPr>
+                    </a:p>
+                  </a:txBody>
+                  <a:tcPr marL="117429" marR="99423" marT="49712" marB="49712" anchor="ctr">
+                    <a:lnL w="38100" cap="flat" cmpd="sng" algn="ctr">
+                      <a:solidFill>
+                        <a:prstClr val="white"/>
+                      </a:solidFill>
+                      <a:prstDash val="solid"/>
+                      <a:round/>
+                      <a:headEnd type="none" w="med" len="med"/>
+                      <a:tailEnd type="none" w="med" len="med"/>
+                    </a:lnL>
+                    <a:lnR w="38100" cap="flat" cmpd="sng" algn="ctr">
+                      <a:solidFill>
+                        <a:prstClr val="white"/>
+                      </a:solidFill>
+                      <a:prstDash val="solid"/>
+                      <a:round/>
+                      <a:headEnd type="none" w="med" len="med"/>
+                      <a:tailEnd type="none" w="med" len="med"/>
+                    </a:lnR>
+                    <a:lnT w="38100" cap="flat" cmpd="sng" algn="ctr">
+                      <a:solidFill>
+                        <a:prstClr val="white"/>
+                      </a:solidFill>
+                      <a:prstDash val="solid"/>
+                      <a:round/>
+                      <a:headEnd type="none" w="med" len="med"/>
+                      <a:tailEnd type="none" w="med" len="med"/>
+                    </a:lnT>
+                    <a:lnB w="38100" cap="flat" cmpd="sng" algn="ctr">
+                      <a:solidFill>
+                        <a:prstClr val="white"/>
+                      </a:solidFill>
+                      <a:prstDash val="solid"/>
+                      <a:round/>
+                      <a:headEnd type="none" w="med" len="med"/>
+                      <a:tailEnd type="none" w="med" len="med"/>
+                    </a:lnB>
+                    <a:solidFill>
+                      <a:srgbClr val="FEDF6B"/>
+                    </a:solidFill>
+                  </a:tcPr>
+                </a:tc>
+                <a:tc>
+                  <a:txBody>
+                    <a:bodyPr/>
+                    <a:lstStyle/>
+                    <a:p>
+                      <a:pPr marL="0" marR="0" indent="0" algn="l" defTabSz="2088170" rtl="0" eaLnBrk="1" fontAlgn="auto" latinLnBrk="0" hangingPunct="1">
+                        <a:lnSpc>
+                          <a:spcPts val="2280"/>
+                        </a:lnSpc>
+                        <a:spcBef>
+                          <a:spcPts val="0"/>
+                        </a:spcBef>
+                        <a:spcAft>
+                          <a:spcPts val="0"/>
+                        </a:spcAft>
+                        <a:buClrTx/>
+                        <a:buSzTx/>
+                        <a:buFontTx/>
+                        <a:buNone/>
+                        <a:tabLst/>
+                        <a:defRPr/>
+                      </a:pPr>
+                      <a:endParaRPr lang="nl-NL" sz="2000" dirty="0">
+                        <a:solidFill>
+                          <a:schemeClr val="tx1"/>
+                        </a:solidFill>
+                        <a:latin typeface="Open Sans" panose="020B0606030504020204" pitchFamily="34" charset="0"/>
+                        <a:ea typeface="Open Sans" panose="020B0606030504020204" pitchFamily="34" charset="0"/>
+                        <a:cs typeface="Open Sans" panose="020B0606030504020204" pitchFamily="34" charset="0"/>
+                      </a:endParaRPr>
+                    </a:p>
+                  </a:txBody>
+                  <a:tcPr marL="195715" marR="195715" marT="0" marB="0" anchor="ctr">
+                    <a:lnL w="38100" cap="flat" cmpd="sng" algn="ctr">
+                      <a:solidFill>
+                        <a:prstClr val="white"/>
+                      </a:solidFill>
+                      <a:prstDash val="solid"/>
+                      <a:round/>
+                      <a:headEnd type="none" w="med" len="med"/>
+                      <a:tailEnd type="none" w="med" len="med"/>
+                    </a:lnL>
+                    <a:lnR w="38100" cap="flat" cmpd="sng" algn="ctr">
+                      <a:solidFill>
+                        <a:prstClr val="white"/>
+                      </a:solidFill>
+                      <a:prstDash val="solid"/>
+                      <a:round/>
+                      <a:headEnd type="none" w="med" len="med"/>
+                      <a:tailEnd type="none" w="med" len="med"/>
+                    </a:lnR>
+                    <a:lnT w="38100" cap="flat" cmpd="sng" algn="ctr">
+                      <a:solidFill>
+                        <a:prstClr val="white"/>
+                      </a:solidFill>
+                      <a:prstDash val="solid"/>
+                      <a:round/>
+                      <a:headEnd type="none" w="med" len="med"/>
+                      <a:tailEnd type="none" w="med" len="med"/>
+                    </a:lnT>
+                    <a:lnB w="38100" cap="flat" cmpd="sng" algn="ctr">
+                      <a:solidFill>
+                        <a:prstClr val="white"/>
+                      </a:solidFill>
+                      <a:prstDash val="solid"/>
+                      <a:round/>
+                      <a:headEnd type="none" w="med" len="med"/>
+                      <a:tailEnd type="none" w="med" len="med"/>
+                    </a:lnB>
+                    <a:solidFill>
+                      <a:srgbClr val="FEDF6B"/>
+                    </a:solidFill>
+                  </a:tcPr>
+                </a:tc>
+                <a:tc>
+                  <a:txBody>
+                    <a:bodyPr/>
+                    <a:lstStyle/>
+                    <a:p>
+                      <a:pPr marL="0" marR="0" indent="0" algn="l" defTabSz="2088170" rtl="0" eaLnBrk="1" fontAlgn="auto" latinLnBrk="0" hangingPunct="1">
+                        <a:lnSpc>
+                          <a:spcPts val="2280"/>
+                        </a:lnSpc>
+                        <a:spcBef>
+                          <a:spcPts val="0"/>
+                        </a:spcBef>
+                        <a:spcAft>
+                          <a:spcPts val="0"/>
+                        </a:spcAft>
+                        <a:buClrTx/>
+                        <a:buSzTx/>
+                        <a:buFontTx/>
+                        <a:buNone/>
+                        <a:tabLst/>
+                        <a:defRPr/>
+                      </a:pPr>
+                      <a:endParaRPr lang="nl-NL" sz="2000" dirty="0">
+                        <a:solidFill>
+                          <a:schemeClr val="tx1"/>
+                        </a:solidFill>
+                        <a:latin typeface="Open Sans" panose="020B0606030504020204" pitchFamily="34" charset="0"/>
+                        <a:ea typeface="Open Sans" panose="020B0606030504020204" pitchFamily="34" charset="0"/>
+                        <a:cs typeface="Open Sans" panose="020B0606030504020204" pitchFamily="34" charset="0"/>
+                      </a:endParaRPr>
+                    </a:p>
+                  </a:txBody>
+                  <a:tcPr marL="195715" marR="195715" marT="0" marB="0" anchor="ctr">
+                    <a:lnL w="38100" cap="flat" cmpd="sng" algn="ctr">
+                      <a:solidFill>
+                        <a:prstClr val="white"/>
+                      </a:solidFill>
+                      <a:prstDash val="solid"/>
+                      <a:round/>
+                      <a:headEnd type="none" w="med" len="med"/>
+                      <a:tailEnd type="none" w="med" len="med"/>
+                    </a:lnL>
+                    <a:lnR w="38100" cap="flat" cmpd="sng" algn="ctr">
+                      <a:solidFill>
+                        <a:prstClr val="white"/>
+                      </a:solidFill>
+                      <a:prstDash val="solid"/>
+                      <a:round/>
+                      <a:headEnd type="none" w="med" len="med"/>
+                      <a:tailEnd type="none" w="med" len="med"/>
+                    </a:lnR>
+                    <a:lnT w="38100" cap="flat" cmpd="sng" algn="ctr">
+                      <a:solidFill>
+                        <a:prstClr val="white"/>
+                      </a:solidFill>
+                      <a:prstDash val="solid"/>
+                      <a:round/>
+                      <a:headEnd type="none" w="med" len="med"/>
+                      <a:tailEnd type="none" w="med" len="med"/>
+                    </a:lnT>
+                    <a:lnB w="38100" cap="flat" cmpd="sng" algn="ctr">
+                      <a:solidFill>
+                        <a:prstClr val="white"/>
+                      </a:solidFill>
+                      <a:prstDash val="solid"/>
+                      <a:round/>
+                      <a:headEnd type="none" w="med" len="med"/>
+                      <a:tailEnd type="none" w="med" len="med"/>
+                    </a:lnB>
+                    <a:solidFill>
+                      <a:srgbClr val="FEDF6B"/>
+                    </a:solidFill>
+                  </a:tcPr>
+                </a:tc>
+                <a:extLst>
+                  <a:ext uri="{0D108BD9-81ED-4DB2-BD59-A6C34878D82A}">
+                    <a16:rowId xmlns:a16="http://schemas.microsoft.com/office/drawing/2014/main" val="10004"/>
+                  </a:ext>
+                </a:extLst>
+              </a:tr>
+            </a:tbl>
+          </a:graphicData>
+        </a:graphic>
+      </p:graphicFrame>
       <p:sp>
         <p:nvSpPr>
           <p:cNvPr id="50" name="Subtitel 2">
@@ -3410,7 +4530,7 @@
         <p:spPr>
           <a:xfrm>
             <a:off x="1508774" y="2691880"/>
-            <a:ext cx="9313209" cy="11664732"/>
+            <a:ext cx="9313209" cy="19605367"/>
           </a:xfrm>
           <a:prstGeom prst="rect">
             <a:avLst/>
@@ -3609,11 +4729,186 @@
               <a:rPr lang="en-US" sz="2000" b="1" dirty="0"/>
               <a:t>Data Preprocessing and Augmentation: </a:t>
             </a:r>
+          </a:p>
+          <a:p>
+            <a:r>
+              <a:rPr lang="en-US" sz="2000" u="sng" dirty="0"/>
+              <a:t>Dataset Filtering</a:t>
+            </a:r>
             <a:r>
               <a:rPr lang="en-US" sz="2000" dirty="0"/>
-              <a:t>Dataset Filtering: We</a:t>
-            </a:r>
-            <a:endParaRPr lang="he-IL" sz="3200" b="1" dirty="0">
+              <a:t>:</a:t>
+            </a:r>
+          </a:p>
+          <a:p>
+            <a:pPr marL="342900" indent="-342900">
+              <a:buFont typeface="Wingdings" panose="05000000000000000000" pitchFamily="2" charset="2"/>
+              <a:buChar char="v"/>
+            </a:pPr>
+            <a:r>
+              <a:rPr lang="en-US" sz="2000" dirty="0"/>
+              <a:t>We select only frontal chest X-ray images for consistency. Handling Missing and Uncertain Labels</a:t>
+            </a:r>
+          </a:p>
+          <a:p>
+            <a:pPr marL="342900" indent="-342900">
+              <a:buFont typeface="Wingdings" panose="05000000000000000000" pitchFamily="2" charset="2"/>
+              <a:buChar char="v"/>
+            </a:pPr>
+            <a:r>
+              <a:rPr lang="en-US" sz="2000" dirty="0"/>
+              <a:t>Labels marked as -1 (uncertain) were replaced to 1 (true).</a:t>
+            </a:r>
+          </a:p>
+          <a:p>
+            <a:pPr marL="342900" indent="-342900">
+              <a:buFont typeface="Wingdings" panose="05000000000000000000" pitchFamily="2" charset="2"/>
+              <a:buChar char="v"/>
+            </a:pPr>
+            <a:r>
+              <a:rPr lang="en-US" sz="2000" dirty="0"/>
+              <a:t>Image </a:t>
+            </a:r>
+            <a:r>
+              <a:rPr lang="en-US" sz="2000" dirty="0" err="1"/>
+              <a:t>Processing:Images</a:t>
+            </a:r>
+            <a:r>
+              <a:rPr lang="en-US" sz="2000" dirty="0"/>
+              <a:t> are resized to 224×224 </a:t>
+            </a:r>
+            <a:r>
+              <a:rPr lang="en-US" sz="2000" dirty="0" err="1"/>
+              <a:t>pixels.Pixel</a:t>
+            </a:r>
+            <a:r>
+              <a:rPr lang="en-US" sz="2000" dirty="0"/>
+              <a:t> values are normalized to stabilize model </a:t>
+            </a:r>
+            <a:r>
+              <a:rPr lang="en-US" sz="2000" dirty="0" err="1"/>
+              <a:t>training.Data</a:t>
+            </a:r>
+            <a:r>
+              <a:rPr lang="en-US" sz="2000" dirty="0"/>
+              <a:t> Augmentation (Optional):Random flipping, rotation, and brightness adjustments are applied to improve </a:t>
+            </a:r>
+            <a:r>
+              <a:rPr lang="en-US" sz="2000" dirty="0" err="1"/>
+              <a:t>generalization.Train</a:t>
+            </a:r>
+            <a:r>
+              <a:rPr lang="en-US" sz="2000" dirty="0"/>
+              <a:t>-Validation </a:t>
+            </a:r>
+            <a:r>
+              <a:rPr lang="en-US" sz="2000" dirty="0" err="1"/>
+              <a:t>Split:The</a:t>
+            </a:r>
+            <a:r>
+              <a:rPr lang="en-US" sz="2000" dirty="0"/>
+              <a:t> dataset is randomly split into 80% training and 20% validation for fair </a:t>
+            </a:r>
+            <a:r>
+              <a:rPr lang="en-US" sz="2000" dirty="0" err="1"/>
+              <a:t>evaluation.Model</a:t>
+            </a:r>
+            <a:r>
+              <a:rPr lang="en-US" sz="2000" dirty="0"/>
+              <a:t> Training </a:t>
+            </a:r>
+            <a:r>
+              <a:rPr lang="en-US" sz="2000" dirty="0" err="1"/>
+              <a:t>StrategyOnce</a:t>
+            </a:r>
+            <a:r>
+              <a:rPr lang="en-US" sz="2000" dirty="0"/>
+              <a:t> preprocessing is complete, the model is trained using the following </a:t>
+            </a:r>
+            <a:r>
+              <a:rPr lang="en-US" sz="2000" dirty="0" err="1"/>
+              <a:t>approach:Handling</a:t>
+            </a:r>
+            <a:r>
+              <a:rPr lang="en-US" sz="2000" dirty="0"/>
+              <a:t> Class </a:t>
+            </a:r>
+            <a:r>
+              <a:rPr lang="en-US" sz="2000" dirty="0" err="1"/>
+              <a:t>Imbalance:Since</a:t>
+            </a:r>
+            <a:r>
+              <a:rPr lang="en-US" sz="2000" dirty="0"/>
+              <a:t> Pleural Effusion is underrepresented, we apply weighted loss adjustment to prevent </a:t>
+            </a:r>
+            <a:r>
+              <a:rPr lang="en-US" sz="2000" dirty="0" err="1"/>
+              <a:t>bias.BCEWithLogitsLoss</a:t>
+            </a:r>
+            <a:r>
+              <a:rPr lang="en-US" sz="2000" dirty="0"/>
+              <a:t> with computed class weights ensures fair </a:t>
+            </a:r>
+            <a:r>
+              <a:rPr lang="en-US" sz="2000" dirty="0" err="1"/>
+              <a:t>learning.Optimization:The</a:t>
+            </a:r>
+            <a:r>
+              <a:rPr lang="en-US" sz="2000" dirty="0"/>
+              <a:t> Adam optimizer is used with a learning rate of 0.0001 and weight decay 1e-5 to prevent </a:t>
+            </a:r>
+            <a:r>
+              <a:rPr lang="en-US" sz="2000" dirty="0" err="1"/>
+              <a:t>overfitting.Dynamic</a:t>
+            </a:r>
+            <a:r>
+              <a:rPr lang="en-US" sz="2000" dirty="0"/>
+              <a:t> Learning Rate </a:t>
+            </a:r>
+            <a:r>
+              <a:rPr lang="en-US" sz="2000" dirty="0" err="1"/>
+              <a:t>Adjustment:We</a:t>
+            </a:r>
+            <a:r>
+              <a:rPr lang="en-US" sz="2000" dirty="0"/>
+              <a:t> implement </a:t>
+            </a:r>
+            <a:r>
+              <a:rPr lang="en-US" sz="2000" dirty="0" err="1"/>
+              <a:t>ReduceLROnPlateau</a:t>
+            </a:r>
+            <a:r>
+              <a:rPr lang="en-US" sz="2000" dirty="0"/>
+              <a:t>, which reduces the learning rate if validation loss stops </a:t>
+            </a:r>
+            <a:r>
+              <a:rPr lang="en-US" sz="2000" dirty="0" err="1"/>
+              <a:t>improving.Training</a:t>
+            </a:r>
+            <a:r>
+              <a:rPr lang="en-US" sz="2000" dirty="0"/>
+              <a:t> </a:t>
+            </a:r>
+            <a:r>
+              <a:rPr lang="en-US" sz="2000" dirty="0" err="1"/>
+              <a:t>Process:The</a:t>
+            </a:r>
+            <a:r>
+              <a:rPr lang="en-US" sz="2000" dirty="0"/>
+              <a:t> model is trained for 25 epochs with performance tracking on the validation </a:t>
+            </a:r>
+            <a:r>
+              <a:rPr lang="en-US" sz="2000" dirty="0" err="1"/>
+              <a:t>set.The</a:t>
+            </a:r>
+            <a:r>
+              <a:rPr lang="en-US" sz="2000" dirty="0"/>
+              <a:t> best-performing model is saved for final evaluation.</a:t>
+            </a:r>
+            <a:endParaRPr lang="he-IL" sz="2000" dirty="0"/>
+          </a:p>
+          <a:p>
+            <a:endParaRPr lang="en-GB" sz="3200" b="1" dirty="0">
               <a:solidFill>
                 <a:schemeClr val="accent5"/>
               </a:solidFill>
@@ -3622,6 +4917,22 @@
           </a:p>
           <a:p>
             <a:endParaRPr lang="en-GB" sz="3200" b="1" dirty="0">
+              <a:solidFill>
+                <a:schemeClr val="accent5"/>
+              </a:solidFill>
+              <a:latin typeface="Merriweather" pitchFamily="2" charset="77"/>
+            </a:endParaRPr>
+          </a:p>
+          <a:p>
+            <a:endParaRPr lang="en-GB" sz="3200" b="1" dirty="0">
+              <a:solidFill>
+                <a:schemeClr val="accent5"/>
+              </a:solidFill>
+              <a:latin typeface="Merriweather" pitchFamily="2" charset="77"/>
+            </a:endParaRPr>
+          </a:p>
+          <a:p>
+            <a:endParaRPr lang="he-IL" sz="3200" b="1" dirty="0">
               <a:solidFill>
                 <a:schemeClr val="accent5"/>
               </a:solidFill>
